--- a/cours/Qualité dev Android - 1 - Kotlin 3 - Classes et objets.pptx
+++ b/cours/Qualité dev Android - 1 - Kotlin 3 - Classes et objets.pptx
@@ -17423,7 +17423,7 @@
               <a:t>Kotlin</a:t>
             </a:r>
             <a:r>
-              <a:rPr lang="fr-FR" sz="3600" dirty="0">
+              <a:rPr lang="fr-FR" sz="3600">
                 <a:solidFill>
                   <a:srgbClr val="FAFAFA"/>
                 </a:solidFill>
@@ -17432,7 +17432,19 @@
                 <a:cs typeface="Google Sans"/>
                 <a:sym typeface="Google Sans"/>
               </a:rPr>
-              <a:t> : Classes et objets</a:t>
+              <a:t> 3 : </a:t>
+            </a:r>
+            <a:r>
+              <a:rPr lang="fr-FR" sz="3600" dirty="0">
+                <a:solidFill>
+                  <a:srgbClr val="FAFAFA"/>
+                </a:solidFill>
+                <a:latin typeface="Google Sans"/>
+                <a:ea typeface="Google Sans"/>
+                <a:cs typeface="Google Sans"/>
+                <a:sym typeface="Google Sans"/>
+              </a:rPr>
+              <a:t>Classes et objets</a:t>
             </a:r>
             <a:endParaRPr sz="3600" dirty="0">
               <a:solidFill>
